--- a/unit_00/html_review/05 JavaScript 2.pptx
+++ b/unit_00/html_review/05 JavaScript 2.pptx
@@ -5512,11 +5512,11 @@
           <a:lstStyle/>
           <a:p>
             <a:r>
-              <a:rPr lang="en-US" sz="4400" b="1" cap="none" dirty="0">
+              <a:rPr lang="en-US" sz="4400" b="1" cap="none">
                 <a:latin typeface="Arial" pitchFamily="34" charset="0"/>
                 <a:cs typeface="Arial" pitchFamily="34" charset="0"/>
               </a:rPr>
-              <a:t>JavaScript</a:t>
+              <a:t>JavaScript 2</a:t>
             </a:r>
             <a:endParaRPr lang="en-US" sz="4400" b="1" cap="none" dirty="0">
               <a:solidFill>
@@ -9025,7 +9025,13 @@
                 <a:solidFill>
                   <a:srgbClr val="00B0F0"/>
                 </a:solidFill>
-                <a:hlinkClick r:id="rId3"/>
+                <a:hlinkClick r:id="rId3">
+                  <a:extLst>
+                    <a:ext uri="{A12FA001-AC4F-418D-AE19-62706E023703}">
+                      <ahyp:hlinkClr xmlns:ahyp="http://schemas.microsoft.com/office/drawing/2018/hyperlinkcolor" val="tx"/>
+                    </a:ext>
+                  </a:extLst>
+                </a:hlinkClick>
               </a:rPr>
               <a:t>JavaScript Tutorial: Arrow Functions</a:t>
             </a:r>
@@ -9041,7 +9047,13 @@
                 <a:solidFill>
                   <a:srgbClr val="00B0F0"/>
                 </a:solidFill>
-                <a:hlinkClick r:id="rId4"/>
+                <a:hlinkClick r:id="rId4">
+                  <a:extLst>
+                    <a:ext uri="{A12FA001-AC4F-418D-AE19-62706E023703}">
+                      <ahyp:hlinkClr xmlns:ahyp="http://schemas.microsoft.com/office/drawing/2018/hyperlinkcolor" val="tx"/>
+                    </a:ext>
+                  </a:extLst>
+                </a:hlinkClick>
               </a:rPr>
               <a:t>JavaScript Tutorial: try…catch statement</a:t>
             </a:r>
@@ -9057,9 +9069,15 @@
                 <a:solidFill>
                   <a:srgbClr val="00B0F0"/>
                 </a:solidFill>
-                <a:hlinkClick r:id="rId5"/>
-              </a:rPr>
-              <a:t>Medium: Simplify your JavaAcript with map(), reduce(), and filter()</a:t>
+                <a:hlinkClick r:id="rId5">
+                  <a:extLst>
+                    <a:ext uri="{A12FA001-AC4F-418D-AE19-62706E023703}">
+                      <ahyp:hlinkClr xmlns:ahyp="http://schemas.microsoft.com/office/drawing/2018/hyperlinkcolor" val="tx"/>
+                    </a:ext>
+                  </a:extLst>
+                </a:hlinkClick>
+              </a:rPr>
+              <a:t>Medium: Simplify your JavaScript with map(), reduce(), and filter()</a:t>
             </a:r>
             <a:endParaRPr lang="en-US" sz="1800" dirty="0">
               <a:solidFill>
@@ -11525,21 +11543,21 @@
 </file>
 
 <file path=customXml/item1.xml><?xml version="1.0" encoding="utf-8"?>
+<p:properties xmlns:p="http://schemas.microsoft.com/office/2006/metadata/properties" xmlns:xsi="http://www.w3.org/2001/XMLSchema-instance" xmlns:pc="http://schemas.microsoft.com/office/infopath/2007/PartnerControls">
+  <documentManagement>
+    <Status xmlns="71af3243-3dd4-4a8d-8c0d-dd76da1f02a5">Not started</Status>
+    <MediaServiceKeyPoints xmlns="71af3243-3dd4-4a8d-8c0d-dd76da1f02a5" xsi:nil="true"/>
+  </documentManagement>
+</p:properties>
+</file>
+
+<file path=customXml/item2.xml><?xml version="1.0" encoding="utf-8"?>
 <?mso-contentType ?>
 <FormTemplates xmlns="http://schemas.microsoft.com/sharepoint/v3/contenttype/forms">
   <Display>DocumentLibraryForm</Display>
   <Edit>DocumentLibraryForm</Edit>
   <New>DocumentLibraryForm</New>
 </FormTemplates>
-</file>
-
-<file path=customXml/item2.xml><?xml version="1.0" encoding="utf-8"?>
-<p:properties xmlns:p="http://schemas.microsoft.com/office/2006/metadata/properties" xmlns:xsi="http://www.w3.org/2001/XMLSchema-instance" xmlns:pc="http://schemas.microsoft.com/office/infopath/2007/PartnerControls">
-  <documentManagement>
-    <Status xmlns="71af3243-3dd4-4a8d-8c0d-dd76da1f02a5">Not started</Status>
-    <MediaServiceKeyPoints xmlns="71af3243-3dd4-4a8d-8c0d-dd76da1f02a5" xsi:nil="true"/>
-  </documentManagement>
-</p:properties>
 </file>
 
 <file path=customXml/item3.xml><?xml version="1.0" encoding="utf-8"?>
@@ -11764,14 +11782,6 @@
 </file>
 
 <file path=customXml/itemProps1.xml><?xml version="1.0" encoding="utf-8"?>
-<ds:datastoreItem xmlns:ds="http://schemas.openxmlformats.org/officeDocument/2006/customXml" ds:itemID="{CDB58277-F8DF-46FF-84EC-EF41B835E69F}">
-  <ds:schemaRefs>
-    <ds:schemaRef ds:uri="http://schemas.microsoft.com/sharepoint/v3/contenttype/forms"/>
-  </ds:schemaRefs>
-</ds:datastoreItem>
-</file>
-
-<file path=customXml/itemProps2.xml><?xml version="1.0" encoding="utf-8"?>
 <ds:datastoreItem xmlns:ds="http://schemas.openxmlformats.org/officeDocument/2006/customXml" ds:itemID="{137651BA-F45C-4845-9AB3-E0A65B39F5E1}">
   <ds:schemaRefs>
     <ds:schemaRef ds:uri="http://schemas.microsoft.com/office/2006/documentManagement/types"/>
@@ -11784,6 +11794,14 @@
     <ds:schemaRef ds:uri="http://schemas.openxmlformats.org/package/2006/metadata/core-properties"/>
     <ds:schemaRef ds:uri="http://www.w3.org/XML/1998/namespace"/>
     <ds:schemaRef ds:uri="http://purl.org/dc/dcmitype/"/>
+  </ds:schemaRefs>
+</ds:datastoreItem>
+</file>
+
+<file path=customXml/itemProps2.xml><?xml version="1.0" encoding="utf-8"?>
+<ds:datastoreItem xmlns:ds="http://schemas.openxmlformats.org/officeDocument/2006/customXml" ds:itemID="{CDB58277-F8DF-46FF-84EC-EF41B835E69F}">
+  <ds:schemaRefs>
+    <ds:schemaRef ds:uri="http://schemas.microsoft.com/sharepoint/v3/contenttype/forms"/>
   </ds:schemaRefs>
 </ds:datastoreItem>
 </file>
